--- a/ISORC2017/figure/EvaluationOfDynamicConnection.pptx
+++ b/ISORC2017/figure/EvaluationOfDynamicConnection.pptx
@@ -141,7 +141,7 @@
           <c:order val="0"/>
           <c:tx>
             <c:strRef>
-              <c:f>Sheet1!$A$2</c:f>
+              <c:f>Sheet1!$A$3</c:f>
               <c:strCache>
                 <c:ptCount val="1"/>
                 <c:pt idx="0">
@@ -161,61 +161,89 @@
           </c:spPr>
           <c:invertIfNegative val="0"/>
           <c:cat>
-            <c:strRef>
-              <c:f>Sheet1!$B$1:$L$1</c:f>
-              <c:strCache>
-                <c:ptCount val="10"/>
-                <c:pt idx="0">
-                  <c:v>CEP:  2, REP: 2</c:v>
-                </c:pt>
-                <c:pt idx="3">
-                  <c:v>CEP:  2, REP: 5</c:v>
-                </c:pt>
-                <c:pt idx="6">
-                  <c:v>CEP:  2, REP: 10</c:v>
-                </c:pt>
-                <c:pt idx="9">
-                  <c:v>CEP:  2, REP: 100</c:v>
-                </c:pt>
-              </c:strCache>
-            </c:strRef>
+            <c:multiLvlStrRef>
+              <c:f>Sheet1!$B$1:$L$2</c:f>
+              <c:multiLvlStrCache>
+                <c:ptCount val="11"/>
+                <c:lvl>
+                  <c:pt idx="0">
+                    <c:v>TINET</c:v>
+                  </c:pt>
+                  <c:pt idx="1">
+                    <c:v>TINET+TECS</c:v>
+                  </c:pt>
+                  <c:pt idx="3">
+                    <c:v>TINET</c:v>
+                  </c:pt>
+                  <c:pt idx="4">
+                    <c:v>TINET+TECS</c:v>
+                  </c:pt>
+                  <c:pt idx="6">
+                    <c:v>TINET</c:v>
+                  </c:pt>
+                  <c:pt idx="7">
+                    <c:v>TINET+TECS</c:v>
+                  </c:pt>
+                  <c:pt idx="9">
+                    <c:v>TINET</c:v>
+                  </c:pt>
+                  <c:pt idx="10">
+                    <c:v>TINET+TECS</c:v>
+                  </c:pt>
+                </c:lvl>
+                <c:lvl>
+                  <c:pt idx="0">
+                    <c:v>CEP:  2, REP: 2</c:v>
+                  </c:pt>
+                  <c:pt idx="3">
+                    <c:v>CEP:  2, REP: 5</c:v>
+                  </c:pt>
+                  <c:pt idx="6">
+                    <c:v>CEP:  2, REP: 10</c:v>
+                  </c:pt>
+                  <c:pt idx="9">
+                    <c:v>CEP:  2, REP: 100</c:v>
+                  </c:pt>
+                </c:lvl>
+              </c:multiLvlStrCache>
+            </c:multiLvlStrRef>
           </c:cat>
           <c:val>
             <c:numRef>
-              <c:f>Sheet1!$B$2:$L$2</c:f>
+              <c:f>Sheet1!$B$3:$L$3</c:f>
               <c:numCache>
                 <c:formatCode>General</c:formatCode>
                 <c:ptCount val="11"/>
                 <c:pt idx="0">
-                  <c:v>1000</c:v>
+                  <c:v>25</c:v>
                 </c:pt>
                 <c:pt idx="1">
-                  <c:v>1000</c:v>
+                  <c:v>45</c:v>
                 </c:pt>
                 <c:pt idx="3">
-                  <c:v>2000</c:v>
+                  <c:v>30</c:v>
                 </c:pt>
                 <c:pt idx="4">
-                  <c:v>2000</c:v>
+                  <c:v>50</c:v>
                 </c:pt>
                 <c:pt idx="6">
-                  <c:v>5000</c:v>
+                  <c:v>50</c:v>
                 </c:pt>
                 <c:pt idx="7">
-                  <c:v>5000</c:v>
+                  <c:v>69</c:v>
                 </c:pt>
                 <c:pt idx="9">
-                  <c:v>10000</c:v>
+                  <c:v>100</c:v>
                 </c:pt>
                 <c:pt idx="10">
-                  <c:v>10000</c:v>
+                  <c:v>120</c:v>
                 </c:pt>
               </c:numCache>
             </c:numRef>
           </c:val>
           <c:extLst>
             <c:ext xmlns:c16="http://schemas.microsoft.com/office/drawing/2014/chart" uri="{C3380CC4-5D6E-409C-BE32-E72D297353CC}">
-              <c16:uniqueId val="{00000000-3AB9-4CBE-A910-A8250CA2D03B}"/>
+              <c16:uniqueId val="{00000000-996E-49A4-BA37-391A51A1F1DF}"/>
             </c:ext>
           </c:extLst>
         </c:ser>
@@ -224,7 +252,7 @@
           <c:order val="1"/>
           <c:tx>
             <c:strRef>
-              <c:f>Sheet1!$A$3</c:f>
+              <c:f>Sheet1!$A$4</c:f>
               <c:strCache>
                 <c:ptCount val="1"/>
                 <c:pt idx="0">
@@ -244,61 +272,89 @@
           </c:spPr>
           <c:invertIfNegative val="0"/>
           <c:cat>
-            <c:strRef>
-              <c:f>Sheet1!$B$1:$L$1</c:f>
-              <c:strCache>
-                <c:ptCount val="10"/>
-                <c:pt idx="0">
-                  <c:v>CEP:  2, REP: 2</c:v>
-                </c:pt>
-                <c:pt idx="3">
-                  <c:v>CEP:  2, REP: 5</c:v>
-                </c:pt>
-                <c:pt idx="6">
-                  <c:v>CEP:  2, REP: 10</c:v>
-                </c:pt>
-                <c:pt idx="9">
-                  <c:v>CEP:  2, REP: 100</c:v>
-                </c:pt>
-              </c:strCache>
-            </c:strRef>
+            <c:multiLvlStrRef>
+              <c:f>Sheet1!$B$1:$L$2</c:f>
+              <c:multiLvlStrCache>
+                <c:ptCount val="11"/>
+                <c:lvl>
+                  <c:pt idx="0">
+                    <c:v>TINET</c:v>
+                  </c:pt>
+                  <c:pt idx="1">
+                    <c:v>TINET+TECS</c:v>
+                  </c:pt>
+                  <c:pt idx="3">
+                    <c:v>TINET</c:v>
+                  </c:pt>
+                  <c:pt idx="4">
+                    <c:v>TINET+TECS</c:v>
+                  </c:pt>
+                  <c:pt idx="6">
+                    <c:v>TINET</c:v>
+                  </c:pt>
+                  <c:pt idx="7">
+                    <c:v>TINET+TECS</c:v>
+                  </c:pt>
+                  <c:pt idx="9">
+                    <c:v>TINET</c:v>
+                  </c:pt>
+                  <c:pt idx="10">
+                    <c:v>TINET+TECS</c:v>
+                  </c:pt>
+                </c:lvl>
+                <c:lvl>
+                  <c:pt idx="0">
+                    <c:v>CEP:  2, REP: 2</c:v>
+                  </c:pt>
+                  <c:pt idx="3">
+                    <c:v>CEP:  2, REP: 5</c:v>
+                  </c:pt>
+                  <c:pt idx="6">
+                    <c:v>CEP:  2, REP: 10</c:v>
+                  </c:pt>
+                  <c:pt idx="9">
+                    <c:v>CEP:  2, REP: 100</c:v>
+                  </c:pt>
+                </c:lvl>
+              </c:multiLvlStrCache>
+            </c:multiLvlStrRef>
           </c:cat>
           <c:val>
             <c:numRef>
-              <c:f>Sheet1!$B$3:$L$3</c:f>
+              <c:f>Sheet1!$B$4:$L$4</c:f>
               <c:numCache>
                 <c:formatCode>General</c:formatCode>
                 <c:ptCount val="11"/>
                 <c:pt idx="0">
-                  <c:v>1000</c:v>
+                  <c:v>76</c:v>
                 </c:pt>
                 <c:pt idx="1">
-                  <c:v>1000</c:v>
+                  <c:v>80</c:v>
                 </c:pt>
                 <c:pt idx="3">
-                  <c:v>2000</c:v>
+                  <c:v>80</c:v>
                 </c:pt>
                 <c:pt idx="4">
-                  <c:v>2000</c:v>
+                  <c:v>90</c:v>
                 </c:pt>
                 <c:pt idx="6">
-                  <c:v>5000</c:v>
+                  <c:v>90</c:v>
                 </c:pt>
                 <c:pt idx="7">
-                  <c:v>5000</c:v>
+                  <c:v>100</c:v>
                 </c:pt>
                 <c:pt idx="9">
-                  <c:v>10000</c:v>
+                  <c:v>500</c:v>
                 </c:pt>
                 <c:pt idx="10">
-                  <c:v>10000</c:v>
+                  <c:v>600</c:v>
                 </c:pt>
               </c:numCache>
             </c:numRef>
           </c:val>
           <c:extLst>
             <c:ext xmlns:c16="http://schemas.microsoft.com/office/drawing/2014/chart" uri="{C3380CC4-5D6E-409C-BE32-E72D297353CC}">
-              <c16:uniqueId val="{00000001-3AB9-4CBE-A910-A8250CA2D03B}"/>
+              <c16:uniqueId val="{00000001-996E-49A4-BA37-391A51A1F1DF}"/>
             </c:ext>
           </c:extLst>
         </c:ser>
@@ -312,11 +368,11 @@
         </c:dLbls>
         <c:gapWidth val="150"/>
         <c:overlap val="100"/>
-        <c:axId val="1248871280"/>
-        <c:axId val="1248865872"/>
+        <c:axId val="1395362032"/>
+        <c:axId val="1383719776"/>
       </c:barChart>
       <c:catAx>
-        <c:axId val="1248871280"/>
+        <c:axId val="1395362032"/>
         <c:scaling>
           <c:orientation val="minMax"/>
         </c:scaling>
@@ -359,7 +415,7 @@
             <a:endParaRPr lang="ja-JP"/>
           </a:p>
         </c:txPr>
-        <c:crossAx val="1248865872"/>
+        <c:crossAx val="1383719776"/>
         <c:crosses val="autoZero"/>
         <c:auto val="1"/>
         <c:lblAlgn val="ctr"/>
@@ -367,7 +423,7 @@
         <c:noMultiLvlLbl val="0"/>
       </c:catAx>
       <c:valAx>
-        <c:axId val="1248865872"/>
+        <c:axId val="1383719776"/>
         <c:scaling>
           <c:orientation val="minMax"/>
         </c:scaling>
@@ -387,7 +443,7 @@
             <a:effectLst/>
           </c:spPr>
         </c:majorGridlines>
-        <c:numFmt formatCode="#,##0_);[Red]\(#,##0\)" sourceLinked="0"/>
+        <c:numFmt formatCode="General" sourceLinked="1"/>
         <c:majorTickMark val="none"/>
         <c:minorTickMark val="none"/>
         <c:tickLblPos val="nextTo"/>
@@ -418,7 +474,7 @@
             <a:endParaRPr lang="ja-JP"/>
           </a:p>
         </c:txPr>
-        <c:crossAx val="1248871280"/>
+        <c:crossAx val="1395362032"/>
         <c:crosses val="autoZero"/>
         <c:crossBetween val="between"/>
       </c:valAx>
@@ -4563,21 +4619,21 @@
       </p:grpSpPr>
       <p:graphicFrame>
         <p:nvGraphicFramePr>
-          <p:cNvPr id="4" name="グラフ 3"/>
+          <p:cNvPr id="3" name="グラフ 2"/>
           <p:cNvGraphicFramePr>
             <a:graphicFrameLocks/>
           </p:cNvGraphicFramePr>
           <p:nvPr>
             <p:extLst>
               <p:ext uri="{D42A27DB-BD31-4B8C-83A1-F6EECF244321}">
-                <p14:modId xmlns:p14="http://schemas.microsoft.com/office/powerpoint/2010/main" val="407903044"/>
+                <p14:modId xmlns:p14="http://schemas.microsoft.com/office/powerpoint/2010/main" val="883730289"/>
               </p:ext>
             </p:extLst>
           </p:nvPr>
         </p:nvGraphicFramePr>
         <p:xfrm>
-          <a:off x="-1" y="0"/>
-          <a:ext cx="12192001" cy="6858000"/>
+          <a:off x="0" y="0"/>
+          <a:ext cx="12192000" cy="6858000"/>
         </p:xfrm>
         <a:graphic>
           <a:graphicData uri="http://schemas.openxmlformats.org/drawingml/2006/chart">

--- a/ISORC2017/figure/EvaluationOfDynamicConnection.pptx
+++ b/ISORC2017/figure/EvaluationOfDynamicConnection.pptx
@@ -134,7 +134,7 @@
       <c:layout/>
       <c:barChart>
         <c:barDir val="col"/>
-        <c:grouping val="stacked"/>
+        <c:grouping val="clustered"/>
         <c:varyColors val="0"/>
         <c:ser>
           <c:idx val="0"/>
@@ -145,7 +145,7 @@
               <c:strCache>
                 <c:ptCount val="1"/>
                 <c:pt idx="0">
-                  <c:v>RAM</c:v>
+                  <c:v>text</c:v>
                 </c:pt>
               </c:strCache>
             </c:strRef>
@@ -162,47 +162,47 @@
           <c:invertIfNegative val="0"/>
           <c:cat>
             <c:multiLvlStrRef>
-              <c:f>Sheet1!$B$1:$L$2</c:f>
+              <c:f>Sheet1!$B$1:$I$2</c:f>
               <c:multiLvlStrCache>
-                <c:ptCount val="11"/>
+                <c:ptCount val="8"/>
                 <c:lvl>
                   <c:pt idx="0">
-                    <c:v>TINET</c:v>
+                    <c:v>without</c:v>
                   </c:pt>
                   <c:pt idx="1">
-                    <c:v>TINET+TECS</c:v>
+                    <c:v>with</c:v>
+                  </c:pt>
+                  <c:pt idx="2">
+                    <c:v>without</c:v>
                   </c:pt>
                   <c:pt idx="3">
-                    <c:v>TINET</c:v>
+                    <c:v>with</c:v>
                   </c:pt>
                   <c:pt idx="4">
-                    <c:v>TINET+TECS</c:v>
+                    <c:v>without</c:v>
+                  </c:pt>
+                  <c:pt idx="5">
+                    <c:v>with</c:v>
                   </c:pt>
                   <c:pt idx="6">
-                    <c:v>TINET</c:v>
+                    <c:v>without</c:v>
                   </c:pt>
                   <c:pt idx="7">
-                    <c:v>TINET+TECS</c:v>
-                  </c:pt>
-                  <c:pt idx="9">
-                    <c:v>TINET</c:v>
-                  </c:pt>
-                  <c:pt idx="10">
-                    <c:v>TINET+TECS</c:v>
+                    <c:v>with</c:v>
                   </c:pt>
                 </c:lvl>
                 <c:lvl>
                   <c:pt idx="0">
-                    <c:v>CEP:  2, REP: 2</c:v>
+                    <c:v>CEP:  1 REP: 1</c:v>
                   </c:pt>
-                  <c:pt idx="3">
-                    <c:v>CEP:  2, REP: 5</c:v>
+                  <c:pt idx="2">
+                    <c:v>CEP:  1 REP: 5</c:v>
+                  </c:pt>
+                  <c:pt idx="4">
+                    <c:v>CEP:  2 REP: 5</c:v>
                   </c:pt>
                   <c:pt idx="6">
-                    <c:v>CEP:  2, REP: 10</c:v>
-                  </c:pt>
-                  <c:pt idx="9">
-                    <c:v>CEP:  2, REP: 100</c:v>
+                    <c:v>CEP:  5 REP: 10</c:v>
                   </c:pt>
                 </c:lvl>
               </c:multiLvlStrCache>
@@ -210,40 +210,40 @@
           </c:cat>
           <c:val>
             <c:numRef>
-              <c:f>Sheet1!$B$3:$L$3</c:f>
+              <c:f>Sheet1!$B$3:$I$3</c:f>
               <c:numCache>
                 <c:formatCode>General</c:formatCode>
-                <c:ptCount val="11"/>
+                <c:ptCount val="8"/>
                 <c:pt idx="0">
-                  <c:v>25</c:v>
+                  <c:v>170.32</c:v>
                 </c:pt>
                 <c:pt idx="1">
-                  <c:v>45</c:v>
+                  <c:v>170.7</c:v>
+                </c:pt>
+                <c:pt idx="2">
+                  <c:v>170.51300000000001</c:v>
                 </c:pt>
                 <c:pt idx="3">
-                  <c:v>30</c:v>
+                  <c:v>170.88900000000001</c:v>
                 </c:pt>
                 <c:pt idx="4">
-                  <c:v>50</c:v>
+                  <c:v>170.98</c:v>
+                </c:pt>
+                <c:pt idx="5">
+                  <c:v>171.33</c:v>
                 </c:pt>
                 <c:pt idx="6">
-                  <c:v>50</c:v>
+                  <c:v>171.78</c:v>
                 </c:pt>
                 <c:pt idx="7">
-                  <c:v>69</c:v>
-                </c:pt>
-                <c:pt idx="9">
-                  <c:v>100</c:v>
-                </c:pt>
-                <c:pt idx="10">
-                  <c:v>120</c:v>
+                  <c:v>171.97</c:v>
                 </c:pt>
               </c:numCache>
             </c:numRef>
           </c:val>
           <c:extLst>
             <c:ext xmlns:c16="http://schemas.microsoft.com/office/drawing/2014/chart" uri="{C3380CC4-5D6E-409C-BE32-E72D297353CC}">
-              <c16:uniqueId val="{00000000-996E-49A4-BA37-391A51A1F1DF}"/>
+              <c16:uniqueId val="{00000000-18EE-42AA-9C3E-C06AA4BB0F58}"/>
             </c:ext>
           </c:extLst>
         </c:ser>
@@ -256,7 +256,120 @@
               <c:strCache>
                 <c:ptCount val="1"/>
                 <c:pt idx="0">
-                  <c:v>ROM</c:v>
+                  <c:v>data</c:v>
+                </c:pt>
+              </c:strCache>
+            </c:strRef>
+          </c:tx>
+          <c:spPr>
+            <a:solidFill>
+              <a:schemeClr val="bg1">
+                <a:lumMod val="50000"/>
+              </a:schemeClr>
+            </a:solidFill>
+            <a:ln>
+              <a:noFill/>
+            </a:ln>
+            <a:effectLst/>
+          </c:spPr>
+          <c:invertIfNegative val="0"/>
+          <c:cat>
+            <c:multiLvlStrRef>
+              <c:f>Sheet1!$B$1:$I$2</c:f>
+              <c:multiLvlStrCache>
+                <c:ptCount val="8"/>
+                <c:lvl>
+                  <c:pt idx="0">
+                    <c:v>without</c:v>
+                  </c:pt>
+                  <c:pt idx="1">
+                    <c:v>with</c:v>
+                  </c:pt>
+                  <c:pt idx="2">
+                    <c:v>without</c:v>
+                  </c:pt>
+                  <c:pt idx="3">
+                    <c:v>with</c:v>
+                  </c:pt>
+                  <c:pt idx="4">
+                    <c:v>without</c:v>
+                  </c:pt>
+                  <c:pt idx="5">
+                    <c:v>with</c:v>
+                  </c:pt>
+                  <c:pt idx="6">
+                    <c:v>without</c:v>
+                  </c:pt>
+                  <c:pt idx="7">
+                    <c:v>with</c:v>
+                  </c:pt>
+                </c:lvl>
+                <c:lvl>
+                  <c:pt idx="0">
+                    <c:v>CEP:  1 REP: 1</c:v>
+                  </c:pt>
+                  <c:pt idx="2">
+                    <c:v>CEP:  1 REP: 5</c:v>
+                  </c:pt>
+                  <c:pt idx="4">
+                    <c:v>CEP:  2 REP: 5</c:v>
+                  </c:pt>
+                  <c:pt idx="6">
+                    <c:v>CEP:  5 REP: 10</c:v>
+                  </c:pt>
+                </c:lvl>
+              </c:multiLvlStrCache>
+            </c:multiLvlStrRef>
+          </c:cat>
+          <c:val>
+            <c:numRef>
+              <c:f>Sheet1!$B$4:$I$4</c:f>
+              <c:numCache>
+                <c:formatCode>General</c:formatCode>
+                <c:ptCount val="8"/>
+                <c:pt idx="0">
+                  <c:v>5.37</c:v>
+                </c:pt>
+                <c:pt idx="1">
+                  <c:v>5.37</c:v>
+                </c:pt>
+                <c:pt idx="2">
+                  <c:v>5.37</c:v>
+                </c:pt>
+                <c:pt idx="3">
+                  <c:v>5.37</c:v>
+                </c:pt>
+                <c:pt idx="4">
+                  <c:v>5.37</c:v>
+                </c:pt>
+                <c:pt idx="5">
+                  <c:v>5.37</c:v>
+                </c:pt>
+                <c:pt idx="6">
+                  <c:v>5.37</c:v>
+                </c:pt>
+                <c:pt idx="7">
+                  <c:v>5.37</c:v>
+                </c:pt>
+              </c:numCache>
+            </c:numRef>
+          </c:val>
+          <c:extLst>
+            <c:ext xmlns:c16="http://schemas.microsoft.com/office/drawing/2014/chart" uri="{C3380CC4-5D6E-409C-BE32-E72D297353CC}">
+              <c16:uniqueId val="{00000001-18EE-42AA-9C3E-C06AA4BB0F58}"/>
+            </c:ext>
+          </c:extLst>
+        </c:ser>
+        <c:ser>
+          <c:idx val="2"/>
+          <c:order val="2"/>
+          <c:tx>
+            <c:strRef>
+              <c:f>Sheet1!$A$5</c:f>
+              <c:strCache>
+                <c:ptCount val="1"/>
+                <c:pt idx="0">
+                  <c:v>bss</c:v>
                 </c:pt>
               </c:strCache>
             </c:strRef>
@@ -273,47 +386,47 @@
           <c:invertIfNegative val="0"/>
           <c:cat>
             <c:multiLvlStrRef>
-              <c:f>Sheet1!$B$1:$L$2</c:f>
+              <c:f>Sheet1!$B$1:$I$2</c:f>
               <c:multiLvlStrCache>
-                <c:ptCount val="11"/>
+                <c:ptCount val="8"/>
                 <c:lvl>
                   <c:pt idx="0">
-                    <c:v>TINET</c:v>
+                    <c:v>without</c:v>
                   </c:pt>
                   <c:pt idx="1">
-                    <c:v>TINET+TECS</c:v>
+                    <c:v>with</c:v>
+                  </c:pt>
+                  <c:pt idx="2">
+                    <c:v>without</c:v>
                   </c:pt>
                   <c:pt idx="3">
-                    <c:v>TINET</c:v>
+                    <c:v>with</c:v>
                   </c:pt>
                   <c:pt idx="4">
-                    <c:v>TINET+TECS</c:v>
+                    <c:v>without</c:v>
+                  </c:pt>
+                  <c:pt idx="5">
+                    <c:v>with</c:v>
                   </c:pt>
                   <c:pt idx="6">
-                    <c:v>TINET</c:v>
+                    <c:v>without</c:v>
                   </c:pt>
                   <c:pt idx="7">
-                    <c:v>TINET+TECS</c:v>
-                  </c:pt>
-                  <c:pt idx="9">
-                    <c:v>TINET</c:v>
-                  </c:pt>
-                  <c:pt idx="10">
-                    <c:v>TINET+TECS</c:v>
+                    <c:v>with</c:v>
                   </c:pt>
                 </c:lvl>
                 <c:lvl>
                   <c:pt idx="0">
-                    <c:v>CEP:  2, REP: 2</c:v>
+                    <c:v>CEP:  1 REP: 1</c:v>
                   </c:pt>
-                  <c:pt idx="3">
-                    <c:v>CEP:  2, REP: 5</c:v>
+                  <c:pt idx="2">
+                    <c:v>CEP:  1 REP: 5</c:v>
+                  </c:pt>
+                  <c:pt idx="4">
+                    <c:v>CEP:  2 REP: 5</c:v>
                   </c:pt>
                   <c:pt idx="6">
-                    <c:v>CEP:  2, REP: 10</c:v>
-                  </c:pt>
-                  <c:pt idx="9">
-                    <c:v>CEP:  2, REP: 100</c:v>
+                    <c:v>CEP:  5 REP: 10</c:v>
                   </c:pt>
                 </c:lvl>
               </c:multiLvlStrCache>
@@ -321,40 +434,40 @@
           </c:cat>
           <c:val>
             <c:numRef>
-              <c:f>Sheet1!$B$4:$L$4</c:f>
+              <c:f>Sheet1!$B$5:$I$5</c:f>
               <c:numCache>
                 <c:formatCode>General</c:formatCode>
-                <c:ptCount val="11"/>
+                <c:ptCount val="8"/>
                 <c:pt idx="0">
-                  <c:v>76</c:v>
+                  <c:v>149.09599999999998</c:v>
                 </c:pt>
                 <c:pt idx="1">
-                  <c:v>80</c:v>
+                  <c:v>149.09599999999998</c:v>
+                </c:pt>
+                <c:pt idx="2">
+                  <c:v>149.15599999999998</c:v>
                 </c:pt>
                 <c:pt idx="3">
-                  <c:v>80</c:v>
+                  <c:v>149.166</c:v>
                 </c:pt>
                 <c:pt idx="4">
-                  <c:v>90</c:v>
+                  <c:v>150.43599999999998</c:v>
+                </c:pt>
+                <c:pt idx="5">
+                  <c:v>150.446</c:v>
                 </c:pt>
                 <c:pt idx="6">
-                  <c:v>90</c:v>
+                  <c:v>154.32599999999999</c:v>
                 </c:pt>
                 <c:pt idx="7">
-                  <c:v>100</c:v>
-                </c:pt>
-                <c:pt idx="9">
-                  <c:v>500</c:v>
-                </c:pt>
-                <c:pt idx="10">
-                  <c:v>600</c:v>
+                  <c:v>154.34599999999998</c:v>
                 </c:pt>
               </c:numCache>
             </c:numRef>
           </c:val>
           <c:extLst>
             <c:ext xmlns:c16="http://schemas.microsoft.com/office/drawing/2014/chart" uri="{C3380CC4-5D6E-409C-BE32-E72D297353CC}">
-              <c16:uniqueId val="{00000001-996E-49A4-BA37-391A51A1F1DF}"/>
+              <c16:uniqueId val="{00000002-18EE-42AA-9C3E-C06AA4BB0F58}"/>
             </c:ext>
           </c:extLst>
         </c:ser>
@@ -366,13 +479,13 @@
           <c:showPercent val="0"/>
           <c:showBubbleSize val="0"/>
         </c:dLbls>
-        <c:gapWidth val="150"/>
-        <c:overlap val="100"/>
-        <c:axId val="1395362032"/>
-        <c:axId val="1383719776"/>
+        <c:gapWidth val="219"/>
+        <c:overlap val="-27"/>
+        <c:axId val="113876975"/>
+        <c:axId val="113877391"/>
       </c:barChart>
       <c:catAx>
-        <c:axId val="1395362032"/>
+        <c:axId val="113876975"/>
         <c:scaling>
           <c:orientation val="minMax"/>
         </c:scaling>
@@ -415,7 +528,7 @@
             <a:endParaRPr lang="ja-JP"/>
           </a:p>
         </c:txPr>
-        <c:crossAx val="1383719776"/>
+        <c:crossAx val="113877391"/>
         <c:crosses val="autoZero"/>
         <c:auto val="1"/>
         <c:lblAlgn val="ctr"/>
@@ -423,7 +536,7 @@
         <c:noMultiLvlLbl val="0"/>
       </c:catAx>
       <c:valAx>
-        <c:axId val="1383719776"/>
+        <c:axId val="113877391"/>
         <c:scaling>
           <c:orientation val="minMax"/>
         </c:scaling>
@@ -443,6 +556,63 @@
             <a:effectLst/>
           </c:spPr>
         </c:majorGridlines>
+        <c:title>
+          <c:tx>
+            <c:rich>
+              <a:bodyPr rot="-5400000" spcFirstLastPara="1" vertOverflow="ellipsis" vert="horz" wrap="square" anchor="ctr" anchorCtr="1"/>
+              <a:lstStyle/>
+              <a:p>
+                <a:pPr>
+                  <a:defRPr sz="2000" b="0" i="0" u="none" strike="noStrike" kern="1200" baseline="0">
+                    <a:solidFill>
+                      <a:schemeClr val="tx1">
+                        <a:lumMod val="65000"/>
+                        <a:lumOff val="35000"/>
+                      </a:schemeClr>
+                    </a:solidFill>
+                    <a:latin typeface="+mn-lt"/>
+                    <a:ea typeface="+mn-ea"/>
+                    <a:cs typeface="+mn-cs"/>
+                  </a:defRPr>
+                </a:pPr>
+                <a:r>
+                  <a:rPr lang="en-US" altLang="ja-JP" sz="2000" baseline="0"/>
+                  <a:t>Size [KB]</a:t>
+                </a:r>
+                <a:endParaRPr lang="ja-JP" altLang="en-US" sz="2000" baseline="0"/>
+              </a:p>
+            </c:rich>
+          </c:tx>
+          <c:layout/>
+          <c:overlay val="0"/>
+          <c:spPr>
+            <a:noFill/>
+            <a:ln>
+              <a:noFill/>
+            </a:ln>
+            <a:effectLst/>
+          </c:spPr>
+          <c:txPr>
+            <a:bodyPr rot="-5400000" spcFirstLastPara="1" vertOverflow="ellipsis" vert="horz" wrap="square" anchor="ctr" anchorCtr="1"/>
+            <a:lstStyle/>
+            <a:p>
+              <a:pPr>
+                <a:defRPr sz="2000" b="0" i="0" u="none" strike="noStrike" kern="1200" baseline="0">
+                  <a:solidFill>
+                    <a:schemeClr val="tx1">
+                      <a:lumMod val="65000"/>
+                      <a:lumOff val="35000"/>
+                    </a:schemeClr>
+                  </a:solidFill>
+                  <a:latin typeface="+mn-lt"/>
+                  <a:ea typeface="+mn-ea"/>
+                  <a:cs typeface="+mn-cs"/>
+                </a:defRPr>
+              </a:pPr>
+              <a:endParaRPr lang="ja-JP"/>
+            </a:p>
+          </c:txPr>
+        </c:title>
         <c:numFmt formatCode="General" sourceLinked="1"/>
         <c:majorTickMark val="none"/>
         <c:minorTickMark val="none"/>
@@ -474,7 +644,7 @@
             <a:endParaRPr lang="ja-JP"/>
           </a:p>
         </c:txPr>
-        <c:crossAx val="1395362032"/>
+        <c:crossAx val="113876975"/>
         <c:crosses val="autoZero"/>
         <c:crossBetween val="between"/>
       </c:valAx>
@@ -586,7 +756,7 @@
 </file>
 
 <file path=ppt/charts/style1.xml><?xml version="1.0" encoding="utf-8"?>
-<cs:chartStyle xmlns:cs="http://schemas.microsoft.com/office/drawing/2012/chartStyle" xmlns:a="http://schemas.openxmlformats.org/drawingml/2006/main" id="297">
+<cs:chartStyle xmlns:cs="http://schemas.microsoft.com/office/drawing/2012/chartStyle" xmlns:a="http://schemas.openxmlformats.org/drawingml/2006/main" id="201">
   <cs:axisTitle>
     <cs:lnRef idx="0"/>
     <cs:fillRef idx="0"/>
@@ -790,23 +960,22 @@
     <cs:fillRef idx="0"/>
     <cs:effectRef idx="0"/>
     <cs:fontRef idx="minor">
-      <a:schemeClr val="tx1"/>
+      <a:schemeClr val="dk1"/>
     </cs:fontRef>
     <cs:spPr>
       <a:solidFill>
         <a:schemeClr val="dk1">
-          <a:lumMod val="75000"/>
-          <a:lumOff val="25000"/>
+          <a:lumMod val="65000"/>
+          <a:lumOff val="35000"/>
         </a:schemeClr>
       </a:solidFill>
-      <a:ln w="9525" cap="flat" cmpd="sng" algn="ctr">
+      <a:ln w="9525">
         <a:solidFill>
           <a:schemeClr val="tx1">
             <a:lumMod val="65000"/>
             <a:lumOff val="35000"/>
           </a:schemeClr>
         </a:solidFill>
-        <a:round/>
       </a:ln>
     </cs:spPr>
   </cs:downBar>
@@ -911,8 +1080,8 @@
       <a:ln w="9525" cap="flat" cmpd="sng" algn="ctr">
         <a:solidFill>
           <a:schemeClr val="tx1">
-            <a:lumMod val="50000"/>
-            <a:lumOff val="50000"/>
+            <a:lumMod val="75000"/>
+            <a:lumOff val="25000"/>
           </a:schemeClr>
         </a:solidFill>
         <a:round/>
@@ -1044,20 +1213,19 @@
     <cs:fillRef idx="0"/>
     <cs:effectRef idx="0"/>
     <cs:fontRef idx="minor">
-      <a:schemeClr val="tx1"/>
+      <a:schemeClr val="dk1"/>
     </cs:fontRef>
     <cs:spPr>
       <a:solidFill>
         <a:schemeClr val="lt1"/>
       </a:solidFill>
-      <a:ln w="9525" cap="flat" cmpd="sng" algn="ctr">
+      <a:ln w="9525">
         <a:solidFill>
           <a:schemeClr val="tx1">
-            <a:lumMod val="65000"/>
-            <a:lumOff val="35000"/>
+            <a:lumMod val="15000"/>
+            <a:lumOff val="85000"/>
           </a:schemeClr>
         </a:solidFill>
-        <a:round/>
       </a:ln>
     </cs:spPr>
   </cs:upBar>
@@ -1172,7 +1340,7 @@
           <a:p>
             <a:fld id="{00D06802-B8EF-4FD8-9511-F1F928CF3A55}" type="datetimeFigureOut">
               <a:rPr kumimoji="1" lang="ja-JP" altLang="en-US" smtClean="0"/>
-              <a:t>2017/2/7</a:t>
+              <a:t>2017/2/11</a:t>
             </a:fld>
             <a:endParaRPr kumimoji="1" lang="ja-JP" altLang="en-US"/>
           </a:p>
@@ -1603,7 +1771,7 @@
           <a:p>
             <a:fld id="{AA641DB4-C951-4763-94FC-F650C3AA7E65}" type="datetimeFigureOut">
               <a:rPr kumimoji="1" lang="ja-JP" altLang="en-US" smtClean="0"/>
-              <a:t>2017/2/7</a:t>
+              <a:t>2017/2/11</a:t>
             </a:fld>
             <a:endParaRPr kumimoji="1" lang="ja-JP" altLang="en-US"/>
           </a:p>
@@ -1805,7 +1973,7 @@
           <a:p>
             <a:fld id="{AA641DB4-C951-4763-94FC-F650C3AA7E65}" type="datetimeFigureOut">
               <a:rPr kumimoji="1" lang="ja-JP" altLang="en-US" smtClean="0"/>
-              <a:t>2017/2/7</a:t>
+              <a:t>2017/2/11</a:t>
             </a:fld>
             <a:endParaRPr kumimoji="1" lang="ja-JP" altLang="en-US"/>
           </a:p>
@@ -2017,7 +2185,7 @@
           <a:p>
             <a:fld id="{AA641DB4-C951-4763-94FC-F650C3AA7E65}" type="datetimeFigureOut">
               <a:rPr kumimoji="1" lang="ja-JP" altLang="en-US" smtClean="0"/>
-              <a:t>2017/2/7</a:t>
+              <a:t>2017/2/11</a:t>
             </a:fld>
             <a:endParaRPr kumimoji="1" lang="ja-JP" altLang="en-US"/>
           </a:p>
@@ -2219,7 +2387,7 @@
           <a:p>
             <a:fld id="{AA641DB4-C951-4763-94FC-F650C3AA7E65}" type="datetimeFigureOut">
               <a:rPr kumimoji="1" lang="ja-JP" altLang="en-US" smtClean="0"/>
-              <a:t>2017/2/7</a:t>
+              <a:t>2017/2/11</a:t>
             </a:fld>
             <a:endParaRPr kumimoji="1" lang="ja-JP" altLang="en-US"/>
           </a:p>
@@ -2465,7 +2633,7 @@
           <a:p>
             <a:fld id="{AA641DB4-C951-4763-94FC-F650C3AA7E65}" type="datetimeFigureOut">
               <a:rPr kumimoji="1" lang="ja-JP" altLang="en-US" smtClean="0"/>
-              <a:t>2017/2/7</a:t>
+              <a:t>2017/2/11</a:t>
             </a:fld>
             <a:endParaRPr kumimoji="1" lang="ja-JP" altLang="en-US"/>
           </a:p>
@@ -2761,7 +2929,7 @@
           <a:p>
             <a:fld id="{AA641DB4-C951-4763-94FC-F650C3AA7E65}" type="datetimeFigureOut">
               <a:rPr kumimoji="1" lang="ja-JP" altLang="en-US" smtClean="0"/>
-              <a:t>2017/2/7</a:t>
+              <a:t>2017/2/11</a:t>
             </a:fld>
             <a:endParaRPr kumimoji="1" lang="ja-JP" altLang="en-US"/>
           </a:p>
@@ -3192,7 +3360,7 @@
           <a:p>
             <a:fld id="{AA641DB4-C951-4763-94FC-F650C3AA7E65}" type="datetimeFigureOut">
               <a:rPr kumimoji="1" lang="ja-JP" altLang="en-US" smtClean="0"/>
-              <a:t>2017/2/7</a:t>
+              <a:t>2017/2/11</a:t>
             </a:fld>
             <a:endParaRPr kumimoji="1" lang="ja-JP" altLang="en-US"/>
           </a:p>
@@ -3310,7 +3478,7 @@
           <a:p>
             <a:fld id="{AA641DB4-C951-4763-94FC-F650C3AA7E65}" type="datetimeFigureOut">
               <a:rPr kumimoji="1" lang="ja-JP" altLang="en-US" smtClean="0"/>
-              <a:t>2017/2/7</a:t>
+              <a:t>2017/2/11</a:t>
             </a:fld>
             <a:endParaRPr kumimoji="1" lang="ja-JP" altLang="en-US"/>
           </a:p>
@@ -3405,7 +3573,7 @@
           <a:p>
             <a:fld id="{AA641DB4-C951-4763-94FC-F650C3AA7E65}" type="datetimeFigureOut">
               <a:rPr kumimoji="1" lang="ja-JP" altLang="en-US" smtClean="0"/>
-              <a:t>2017/2/7</a:t>
+              <a:t>2017/2/11</a:t>
             </a:fld>
             <a:endParaRPr kumimoji="1" lang="ja-JP" altLang="en-US"/>
           </a:p>
@@ -3714,7 +3882,7 @@
           <a:p>
             <a:fld id="{AA641DB4-C951-4763-94FC-F650C3AA7E65}" type="datetimeFigureOut">
               <a:rPr kumimoji="1" lang="ja-JP" altLang="en-US" smtClean="0"/>
-              <a:t>2017/2/7</a:t>
+              <a:t>2017/2/11</a:t>
             </a:fld>
             <a:endParaRPr kumimoji="1" lang="ja-JP" altLang="en-US"/>
           </a:p>
@@ -3967,7 +4135,7 @@
           <a:p>
             <a:fld id="{AA641DB4-C951-4763-94FC-F650C3AA7E65}" type="datetimeFigureOut">
               <a:rPr kumimoji="1" lang="ja-JP" altLang="en-US" smtClean="0"/>
-              <a:t>2017/2/7</a:t>
+              <a:t>2017/2/11</a:t>
             </a:fld>
             <a:endParaRPr kumimoji="1" lang="ja-JP" altLang="en-US"/>
           </a:p>
@@ -4212,7 +4380,7 @@
           <a:p>
             <a:fld id="{AA641DB4-C951-4763-94FC-F650C3AA7E65}" type="datetimeFigureOut">
               <a:rPr kumimoji="1" lang="ja-JP" altLang="en-US" smtClean="0"/>
-              <a:t>2017/2/7</a:t>
+              <a:t>2017/2/11</a:t>
             </a:fld>
             <a:endParaRPr kumimoji="1" lang="ja-JP" altLang="en-US"/>
           </a:p>
@@ -4619,14 +4787,14 @@
       </p:grpSpPr>
       <p:graphicFrame>
         <p:nvGraphicFramePr>
-          <p:cNvPr id="3" name="グラフ 2"/>
+          <p:cNvPr id="6" name="グラフ 5"/>
           <p:cNvGraphicFramePr>
             <a:graphicFrameLocks/>
           </p:cNvGraphicFramePr>
           <p:nvPr>
             <p:extLst>
               <p:ext uri="{D42A27DB-BD31-4B8C-83A1-F6EECF244321}">
-                <p14:modId xmlns:p14="http://schemas.microsoft.com/office/powerpoint/2010/main" val="883730289"/>
+                <p14:modId xmlns:p14="http://schemas.microsoft.com/office/powerpoint/2010/main" val="406607805"/>
               </p:ext>
             </p:extLst>
           </p:nvPr>
